--- a/RendezVousMédicaux.pptx
+++ b/RendezVousMédicaux.pptx
@@ -6,6 +6,16 @@
   </p:sldMasterIdLst>
   <p:sldIdLst>
     <p:sldId id="256" r:id="rId2"/>
+    <p:sldId id="257" r:id="rId3"/>
+    <p:sldId id="258" r:id="rId4"/>
+    <p:sldId id="259" r:id="rId5"/>
+    <p:sldId id="260" r:id="rId6"/>
+    <p:sldId id="261" r:id="rId7"/>
+    <p:sldId id="262" r:id="rId8"/>
+    <p:sldId id="263" r:id="rId9"/>
+    <p:sldId id="266" r:id="rId10"/>
+    <p:sldId id="264" r:id="rId11"/>
+    <p:sldId id="265" r:id="rId12"/>
   </p:sldIdLst>
   <p:sldSz cx="9144000" cy="6858000" type="screen4x3"/>
   <p:notesSz cx="6858000" cy="9144000"/>
@@ -288,6 +298,7 @@
           <a:p>
             <a:fld id="{D33AC759-AE69-4A59-9099-B0C5F1DBC921}" type="datetimeFigureOut">
               <a:rPr lang="en-US" smtClean="0"/>
+              <a:pPr/>
               <a:t>2/20/2017</a:t>
             </a:fld>
             <a:endParaRPr lang="en-US"/>
@@ -330,6 +341,7 @@
           <a:p>
             <a:fld id="{35C8673B-BB45-4CB2-91A0-328232061167}" type="slidenum">
               <a:rPr lang="en-US" smtClean="0"/>
+              <a:pPr/>
               <a:t>‹#›</a:t>
             </a:fld>
             <a:endParaRPr lang="en-US"/>
@@ -453,6 +465,7 @@
           <a:p>
             <a:fld id="{D33AC759-AE69-4A59-9099-B0C5F1DBC921}" type="datetimeFigureOut">
               <a:rPr lang="en-US" smtClean="0"/>
+              <a:pPr/>
               <a:t>2/20/2017</a:t>
             </a:fld>
             <a:endParaRPr lang="en-US"/>
@@ -495,6 +508,7 @@
           <a:p>
             <a:fld id="{35C8673B-BB45-4CB2-91A0-328232061167}" type="slidenum">
               <a:rPr lang="en-US" smtClean="0"/>
+              <a:pPr/>
               <a:t>‹#›</a:t>
             </a:fld>
             <a:endParaRPr lang="en-US"/>
@@ -628,6 +642,7 @@
           <a:p>
             <a:fld id="{D33AC759-AE69-4A59-9099-B0C5F1DBC921}" type="datetimeFigureOut">
               <a:rPr lang="en-US" smtClean="0"/>
+              <a:pPr/>
               <a:t>2/20/2017</a:t>
             </a:fld>
             <a:endParaRPr lang="en-US"/>
@@ -670,6 +685,7 @@
           <a:p>
             <a:fld id="{35C8673B-BB45-4CB2-91A0-328232061167}" type="slidenum">
               <a:rPr lang="en-US" smtClean="0"/>
+              <a:pPr/>
               <a:t>‹#›</a:t>
             </a:fld>
             <a:endParaRPr lang="en-US"/>
@@ -793,6 +809,7 @@
           <a:p>
             <a:fld id="{D33AC759-AE69-4A59-9099-B0C5F1DBC921}" type="datetimeFigureOut">
               <a:rPr lang="en-US" smtClean="0"/>
+              <a:pPr/>
               <a:t>2/20/2017</a:t>
             </a:fld>
             <a:endParaRPr lang="en-US"/>
@@ -835,6 +852,7 @@
           <a:p>
             <a:fld id="{35C8673B-BB45-4CB2-91A0-328232061167}" type="slidenum">
               <a:rPr lang="en-US" smtClean="0"/>
+              <a:pPr/>
               <a:t>‹#›</a:t>
             </a:fld>
             <a:endParaRPr lang="en-US"/>
@@ -1034,6 +1052,7 @@
           <a:p>
             <a:fld id="{D33AC759-AE69-4A59-9099-B0C5F1DBC921}" type="datetimeFigureOut">
               <a:rPr lang="en-US" smtClean="0"/>
+              <a:pPr/>
               <a:t>2/20/2017</a:t>
             </a:fld>
             <a:endParaRPr lang="en-US"/>
@@ -1076,6 +1095,7 @@
           <a:p>
             <a:fld id="{35C8673B-BB45-4CB2-91A0-328232061167}" type="slidenum">
               <a:rPr lang="en-US" smtClean="0"/>
+              <a:pPr/>
               <a:t>‹#›</a:t>
             </a:fld>
             <a:endParaRPr lang="en-US"/>
@@ -1317,6 +1337,7 @@
           <a:p>
             <a:fld id="{D33AC759-AE69-4A59-9099-B0C5F1DBC921}" type="datetimeFigureOut">
               <a:rPr lang="en-US" smtClean="0"/>
+              <a:pPr/>
               <a:t>2/20/2017</a:t>
             </a:fld>
             <a:endParaRPr lang="en-US"/>
@@ -1359,6 +1380,7 @@
           <a:p>
             <a:fld id="{35C8673B-BB45-4CB2-91A0-328232061167}" type="slidenum">
               <a:rPr lang="en-US" smtClean="0"/>
+              <a:pPr/>
               <a:t>‹#›</a:t>
             </a:fld>
             <a:endParaRPr lang="en-US"/>
@@ -1734,6 +1756,7 @@
           <a:p>
             <a:fld id="{D33AC759-AE69-4A59-9099-B0C5F1DBC921}" type="datetimeFigureOut">
               <a:rPr lang="en-US" smtClean="0"/>
+              <a:pPr/>
               <a:t>2/20/2017</a:t>
             </a:fld>
             <a:endParaRPr lang="en-US"/>
@@ -1776,6 +1799,7 @@
           <a:p>
             <a:fld id="{35C8673B-BB45-4CB2-91A0-328232061167}" type="slidenum">
               <a:rPr lang="en-US" smtClean="0"/>
+              <a:pPr/>
               <a:t>‹#›</a:t>
             </a:fld>
             <a:endParaRPr lang="en-US"/>
@@ -1847,6 +1871,7 @@
           <a:p>
             <a:fld id="{D33AC759-AE69-4A59-9099-B0C5F1DBC921}" type="datetimeFigureOut">
               <a:rPr lang="en-US" smtClean="0"/>
+              <a:pPr/>
               <a:t>2/20/2017</a:t>
             </a:fld>
             <a:endParaRPr lang="en-US"/>
@@ -1889,6 +1914,7 @@
           <a:p>
             <a:fld id="{35C8673B-BB45-4CB2-91A0-328232061167}" type="slidenum">
               <a:rPr lang="en-US" smtClean="0"/>
+              <a:pPr/>
               <a:t>‹#›</a:t>
             </a:fld>
             <a:endParaRPr lang="en-US"/>
@@ -1937,6 +1963,7 @@
           <a:p>
             <a:fld id="{D33AC759-AE69-4A59-9099-B0C5F1DBC921}" type="datetimeFigureOut">
               <a:rPr lang="en-US" smtClean="0"/>
+              <a:pPr/>
               <a:t>2/20/2017</a:t>
             </a:fld>
             <a:endParaRPr lang="en-US"/>
@@ -1979,6 +2006,7 @@
           <a:p>
             <a:fld id="{35C8673B-BB45-4CB2-91A0-328232061167}" type="slidenum">
               <a:rPr lang="en-US" smtClean="0"/>
+              <a:pPr/>
               <a:t>‹#›</a:t>
             </a:fld>
             <a:endParaRPr lang="en-US"/>
@@ -2209,6 +2237,7 @@
           <a:p>
             <a:fld id="{D33AC759-AE69-4A59-9099-B0C5F1DBC921}" type="datetimeFigureOut">
               <a:rPr lang="en-US" smtClean="0"/>
+              <a:pPr/>
               <a:t>2/20/2017</a:t>
             </a:fld>
             <a:endParaRPr lang="en-US"/>
@@ -2251,6 +2280,7 @@
           <a:p>
             <a:fld id="{35C8673B-BB45-4CB2-91A0-328232061167}" type="slidenum">
               <a:rPr lang="en-US" smtClean="0"/>
+              <a:pPr/>
               <a:t>‹#›</a:t>
             </a:fld>
             <a:endParaRPr lang="en-US"/>
@@ -2457,6 +2487,7 @@
           <a:p>
             <a:fld id="{D33AC759-AE69-4A59-9099-B0C5F1DBC921}" type="datetimeFigureOut">
               <a:rPr lang="en-US" smtClean="0"/>
+              <a:pPr/>
               <a:t>2/20/2017</a:t>
             </a:fld>
             <a:endParaRPr lang="en-US"/>
@@ -2499,6 +2530,7 @@
           <a:p>
             <a:fld id="{35C8673B-BB45-4CB2-91A0-328232061167}" type="slidenum">
               <a:rPr lang="en-US" smtClean="0"/>
+              <a:pPr/>
               <a:t>‹#›</a:t>
             </a:fld>
             <a:endParaRPr lang="en-US"/>
@@ -2665,6 +2697,7 @@
           <a:p>
             <a:fld id="{D33AC759-AE69-4A59-9099-B0C5F1DBC921}" type="datetimeFigureOut">
               <a:rPr lang="en-US" smtClean="0"/>
+              <a:pPr/>
               <a:t>2/20/2017</a:t>
             </a:fld>
             <a:endParaRPr lang="en-US"/>
@@ -2743,6 +2776,7 @@
           <a:p>
             <a:fld id="{35C8673B-BB45-4CB2-91A0-328232061167}" type="slidenum">
               <a:rPr lang="en-US" smtClean="0"/>
+              <a:pPr/>
               <a:t>‹#›</a:t>
             </a:fld>
             <a:endParaRPr lang="en-US"/>
@@ -3045,14 +3079,32 @@
             <p:ph type="ctrTitle"/>
           </p:nvPr>
         </p:nvSpPr>
-        <p:spPr/>
-        <p:txBody>
-          <a:bodyPr/>
+        <p:spPr>
+          <a:xfrm>
+            <a:off x="685800" y="1484785"/>
+            <a:ext cx="7772400" cy="2115666"/>
+          </a:xfrm>
+        </p:spPr>
+        <p:txBody>
+          <a:bodyPr>
+            <a:normAutofit/>
+          </a:bodyPr>
           <a:lstStyle/>
           <a:p>
             <a:r>
               <a:rPr lang="fr-CA" dirty="0" smtClean="0"/>
-              <a:t>Rendez Vous Médicaux </a:t>
+              <a:t>Application Web </a:t>
+            </a:r>
+            <a:br>
+              <a:rPr lang="fr-CA" dirty="0" smtClean="0"/>
+            </a:br>
+            <a:r>
+              <a:rPr lang="fr-CA" dirty="0" err="1" smtClean="0"/>
+              <a:t>Rendez-Vous</a:t>
+            </a:r>
+            <a:r>
+              <a:rPr lang="fr-CA" dirty="0" smtClean="0"/>
+              <a:t> Médicaux  pour un clinique médicale</a:t>
             </a:r>
             <a:endParaRPr lang="en-US" dirty="0"/>
           </a:p>
@@ -3073,10 +3125,874 @@
           <a:bodyPr/>
           <a:lstStyle/>
           <a:p>
+            <a:r>
+              <a:rPr lang="fr-CA" dirty="0" smtClean="0"/>
+              <a:t>Dung &amp; </a:t>
+            </a:r>
+            <a:r>
+              <a:rPr lang="fr-CA" dirty="0" err="1" smtClean="0"/>
+              <a:t>Fatsah</a:t>
+            </a:r>
             <a:endParaRPr lang="en-US" dirty="0"/>
           </a:p>
         </p:txBody>
       </p:sp>
+    </p:spTree>
+  </p:cSld>
+  <p:clrMapOvr>
+    <a:masterClrMapping/>
+  </p:clrMapOvr>
+</p:sld>
+</file>
+
+<file path=ppt/slides/slide10.xml><?xml version="1.0" encoding="utf-8"?>
+<p:sld xmlns:a="http://schemas.openxmlformats.org/drawingml/2006/main" xmlns:r="http://schemas.openxmlformats.org/officeDocument/2006/relationships" xmlns:p="http://schemas.openxmlformats.org/presentationml/2006/main">
+  <p:cSld>
+    <p:spTree>
+      <p:nvGrpSpPr>
+        <p:cNvPr id="1" name=""/>
+        <p:cNvGrpSpPr/>
+        <p:nvPr/>
+      </p:nvGrpSpPr>
+      <p:grpSpPr>
+        <a:xfrm>
+          <a:off x="0" y="0"/>
+          <a:ext cx="0" cy="0"/>
+          <a:chOff x="0" y="0"/>
+          <a:chExt cx="0" cy="0"/>
+        </a:xfrm>
+      </p:grpSpPr>
+      <p:sp>
+        <p:nvSpPr>
+          <p:cNvPr id="2" name="Title 1"/>
+          <p:cNvSpPr>
+            <a:spLocks noGrp="1"/>
+          </p:cNvSpPr>
+          <p:nvPr>
+            <p:ph type="title"/>
+          </p:nvPr>
+        </p:nvSpPr>
+        <p:spPr/>
+        <p:txBody>
+          <a:bodyPr/>
+          <a:lstStyle/>
+          <a:p>
+            <a:r>
+              <a:rPr lang="fr-CA" dirty="0" smtClean="0"/>
+              <a:t>Nouveaux Concepts</a:t>
+            </a:r>
+            <a:endParaRPr lang="en-US" dirty="0"/>
+          </a:p>
+        </p:txBody>
+      </p:sp>
+      <p:sp>
+        <p:nvSpPr>
+          <p:cNvPr id="3" name="Content Placeholder 2"/>
+          <p:cNvSpPr>
+            <a:spLocks noGrp="1"/>
+          </p:cNvSpPr>
+          <p:nvPr>
+            <p:ph idx="1"/>
+          </p:nvPr>
+        </p:nvSpPr>
+        <p:spPr/>
+        <p:txBody>
+          <a:bodyPr/>
+          <a:lstStyle/>
+          <a:p>
+            <a:r>
+              <a:rPr lang="fr-CA" dirty="0" smtClean="0"/>
+              <a:t>1) Le Menu Dynamique</a:t>
+            </a:r>
+            <a:endParaRPr lang="en-US" dirty="0"/>
+          </a:p>
+        </p:txBody>
+      </p:sp>
+    </p:spTree>
+  </p:cSld>
+  <p:clrMapOvr>
+    <a:masterClrMapping/>
+  </p:clrMapOvr>
+</p:sld>
+</file>
+
+<file path=ppt/slides/slide11.xml><?xml version="1.0" encoding="utf-8"?>
+<p:sld xmlns:a="http://schemas.openxmlformats.org/drawingml/2006/main" xmlns:r="http://schemas.openxmlformats.org/officeDocument/2006/relationships" xmlns:p="http://schemas.openxmlformats.org/presentationml/2006/main">
+  <p:cSld>
+    <p:spTree>
+      <p:nvGrpSpPr>
+        <p:cNvPr id="1" name=""/>
+        <p:cNvGrpSpPr/>
+        <p:nvPr/>
+      </p:nvGrpSpPr>
+      <p:grpSpPr>
+        <a:xfrm>
+          <a:off x="0" y="0"/>
+          <a:ext cx="0" cy="0"/>
+          <a:chOff x="0" y="0"/>
+          <a:chExt cx="0" cy="0"/>
+        </a:xfrm>
+      </p:grpSpPr>
+      <p:sp>
+        <p:nvSpPr>
+          <p:cNvPr id="2" name="Title 1"/>
+          <p:cNvSpPr>
+            <a:spLocks noGrp="1"/>
+          </p:cNvSpPr>
+          <p:nvPr>
+            <p:ph type="title"/>
+          </p:nvPr>
+        </p:nvSpPr>
+        <p:spPr/>
+        <p:txBody>
+          <a:bodyPr/>
+          <a:lstStyle/>
+          <a:p>
+            <a:r>
+              <a:rPr lang="fr-CA" dirty="0" smtClean="0"/>
+              <a:t>Améliorations Proposées</a:t>
+            </a:r>
+            <a:endParaRPr lang="en-US" dirty="0"/>
+          </a:p>
+        </p:txBody>
+      </p:sp>
+      <p:sp>
+        <p:nvSpPr>
+          <p:cNvPr id="3" name="Content Placeholder 2"/>
+          <p:cNvSpPr>
+            <a:spLocks noGrp="1"/>
+          </p:cNvSpPr>
+          <p:nvPr>
+            <p:ph idx="1"/>
+          </p:nvPr>
+        </p:nvSpPr>
+        <p:spPr/>
+        <p:txBody>
+          <a:bodyPr/>
+          <a:lstStyle/>
+          <a:p>
+            <a:r>
+              <a:rPr lang="fr-CA" dirty="0" smtClean="0"/>
+              <a:t>1) Implémenter la fonction d’annuler un </a:t>
+            </a:r>
+            <a:r>
+              <a:rPr lang="fr-CA" dirty="0" err="1" smtClean="0"/>
+              <a:t>Rdv</a:t>
+            </a:r>
+            <a:r>
+              <a:rPr lang="fr-CA" dirty="0" smtClean="0"/>
+              <a:t> à partir d’un numéro de Rdv.</a:t>
+            </a:r>
+          </a:p>
+          <a:p>
+            <a:r>
+              <a:rPr lang="fr-CA" dirty="0" smtClean="0"/>
+              <a:t>2) Usagers pourraient login sur le système avec leur courriels au lieu des ID.</a:t>
+            </a:r>
+          </a:p>
+          <a:p>
+            <a:r>
+              <a:rPr lang="fr-CA" dirty="0" smtClean="0"/>
+              <a:t>3) </a:t>
+            </a:r>
+            <a:r>
+              <a:rPr lang="fr-CA" dirty="0" err="1" smtClean="0"/>
+              <a:t>Admin</a:t>
+            </a:r>
+            <a:r>
+              <a:rPr lang="fr-CA" dirty="0" smtClean="0"/>
+              <a:t> pourrait ajouter d’autres spécialités dans le menu déroulant.</a:t>
+            </a:r>
+          </a:p>
+          <a:p>
+            <a:r>
+              <a:rPr lang="fr-CA" dirty="0" smtClean="0"/>
+              <a:t>4) Chaque Médecin pourrait avoir leur propre horaire de disponibilités. </a:t>
+            </a:r>
+            <a:endParaRPr lang="en-US" dirty="0"/>
+          </a:p>
+        </p:txBody>
+      </p:sp>
+    </p:spTree>
+  </p:cSld>
+  <p:clrMapOvr>
+    <a:masterClrMapping/>
+  </p:clrMapOvr>
+</p:sld>
+</file>
+
+<file path=ppt/slides/slide2.xml><?xml version="1.0" encoding="utf-8"?>
+<p:sld xmlns:a="http://schemas.openxmlformats.org/drawingml/2006/main" xmlns:r="http://schemas.openxmlformats.org/officeDocument/2006/relationships" xmlns:p="http://schemas.openxmlformats.org/presentationml/2006/main">
+  <p:cSld>
+    <p:spTree>
+      <p:nvGrpSpPr>
+        <p:cNvPr id="1" name=""/>
+        <p:cNvGrpSpPr/>
+        <p:nvPr/>
+      </p:nvGrpSpPr>
+      <p:grpSpPr>
+        <a:xfrm>
+          <a:off x="0" y="0"/>
+          <a:ext cx="0" cy="0"/>
+          <a:chOff x="0" y="0"/>
+          <a:chExt cx="0" cy="0"/>
+        </a:xfrm>
+      </p:grpSpPr>
+      <p:sp>
+        <p:nvSpPr>
+          <p:cNvPr id="2" name="Title 1"/>
+          <p:cNvSpPr>
+            <a:spLocks noGrp="1"/>
+          </p:cNvSpPr>
+          <p:nvPr>
+            <p:ph type="title"/>
+          </p:nvPr>
+        </p:nvSpPr>
+        <p:spPr/>
+        <p:txBody>
+          <a:bodyPr/>
+          <a:lstStyle/>
+          <a:p>
+            <a:r>
+              <a:rPr lang="fr-CA" dirty="0" smtClean="0"/>
+              <a:t>Buts</a:t>
+            </a:r>
+            <a:endParaRPr lang="en-US" dirty="0"/>
+          </a:p>
+        </p:txBody>
+      </p:sp>
+      <p:sp>
+        <p:nvSpPr>
+          <p:cNvPr id="3" name="Content Placeholder 2"/>
+          <p:cNvSpPr>
+            <a:spLocks noGrp="1"/>
+          </p:cNvSpPr>
+          <p:nvPr>
+            <p:ph idx="1"/>
+          </p:nvPr>
+        </p:nvSpPr>
+        <p:spPr/>
+        <p:txBody>
+          <a:bodyPr/>
+          <a:lstStyle/>
+          <a:p>
+            <a:r>
+              <a:rPr lang="fr-CA" dirty="0" smtClean="0"/>
+              <a:t>Permettre </a:t>
+            </a:r>
+            <a:r>
+              <a:rPr lang="fr-CA" dirty="0" smtClean="0"/>
+              <a:t>à des patients de </a:t>
+            </a:r>
+            <a:r>
+              <a:rPr lang="fr-CA" dirty="0" smtClean="0"/>
+              <a:t>prendre ou annuler </a:t>
+            </a:r>
+            <a:r>
+              <a:rPr lang="fr-CA" dirty="0" smtClean="0"/>
+              <a:t>des rendez-vous en </a:t>
+            </a:r>
+            <a:r>
+              <a:rPr lang="fr-CA" dirty="0" smtClean="0"/>
+              <a:t>lignes rapidement 7  / 24. </a:t>
+            </a:r>
+            <a:endParaRPr lang="en-US" dirty="0"/>
+          </a:p>
+        </p:txBody>
+      </p:sp>
+    </p:spTree>
+  </p:cSld>
+  <p:clrMapOvr>
+    <a:masterClrMapping/>
+  </p:clrMapOvr>
+</p:sld>
+</file>
+
+<file path=ppt/slides/slide3.xml><?xml version="1.0" encoding="utf-8"?>
+<p:sld xmlns:a="http://schemas.openxmlformats.org/drawingml/2006/main" xmlns:r="http://schemas.openxmlformats.org/officeDocument/2006/relationships" xmlns:p="http://schemas.openxmlformats.org/presentationml/2006/main">
+  <p:cSld>
+    <p:spTree>
+      <p:nvGrpSpPr>
+        <p:cNvPr id="1" name=""/>
+        <p:cNvGrpSpPr/>
+        <p:nvPr/>
+      </p:nvGrpSpPr>
+      <p:grpSpPr>
+        <a:xfrm>
+          <a:off x="0" y="0"/>
+          <a:ext cx="0" cy="0"/>
+          <a:chOff x="0" y="0"/>
+          <a:chExt cx="0" cy="0"/>
+        </a:xfrm>
+      </p:grpSpPr>
+      <p:sp>
+        <p:nvSpPr>
+          <p:cNvPr id="6" name="Title 5"/>
+          <p:cNvSpPr>
+            <a:spLocks noGrp="1"/>
+          </p:cNvSpPr>
+          <p:nvPr>
+            <p:ph type="title"/>
+          </p:nvPr>
+        </p:nvSpPr>
+        <p:spPr/>
+        <p:txBody>
+          <a:bodyPr/>
+          <a:lstStyle/>
+          <a:p>
+            <a:r>
+              <a:rPr lang="fr-CA" dirty="0" smtClean="0"/>
+              <a:t>3 Bénéfices</a:t>
+            </a:r>
+            <a:endParaRPr lang="en-US" dirty="0"/>
+          </a:p>
+        </p:txBody>
+      </p:sp>
+      <p:sp>
+        <p:nvSpPr>
+          <p:cNvPr id="7" name="Content Placeholder 6"/>
+          <p:cNvSpPr>
+            <a:spLocks noGrp="1"/>
+          </p:cNvSpPr>
+          <p:nvPr>
+            <p:ph idx="1"/>
+          </p:nvPr>
+        </p:nvSpPr>
+        <p:spPr/>
+        <p:txBody>
+          <a:bodyPr>
+            <a:normAutofit lnSpcReduction="10000"/>
+          </a:bodyPr>
+          <a:lstStyle/>
+          <a:p>
+            <a:r>
+              <a:rPr lang="fr-CA" dirty="0" smtClean="0"/>
+              <a:t>Une étude publiée en Mars 2014 par HEC Montréal et par Inforoute Santé démontre qu’il y a 3 bénéfices en utilisant des systèmes de rendez-vous en ligne </a:t>
+            </a:r>
+            <a:r>
+              <a:rPr lang="fr-CA" dirty="0" smtClean="0"/>
+              <a:t>:</a:t>
+            </a:r>
+          </a:p>
+          <a:p>
+            <a:r>
+              <a:rPr lang="fr-CA" dirty="0" smtClean="0"/>
+              <a:t>1)</a:t>
+            </a:r>
+            <a:r>
+              <a:rPr lang="fr-CA" dirty="0" smtClean="0"/>
+              <a:t> La quasi-totalité des patients ont confirmé que ce système les ont permis de sauver des longues minutes d’attentes au téléphone et de pouvoir prendre rendez-vous au moment qui leur convenait  le plus.</a:t>
+            </a:r>
+            <a:endParaRPr lang="en-US" dirty="0"/>
+          </a:p>
+        </p:txBody>
+      </p:sp>
+    </p:spTree>
+  </p:cSld>
+  <p:clrMapOvr>
+    <a:masterClrMapping/>
+  </p:clrMapOvr>
+</p:sld>
+</file>
+
+<file path=ppt/slides/slide4.xml><?xml version="1.0" encoding="utf-8"?>
+<p:sld xmlns:a="http://schemas.openxmlformats.org/drawingml/2006/main" xmlns:r="http://schemas.openxmlformats.org/officeDocument/2006/relationships" xmlns:p="http://schemas.openxmlformats.org/presentationml/2006/main">
+  <p:cSld>
+    <p:spTree>
+      <p:nvGrpSpPr>
+        <p:cNvPr id="1" name=""/>
+        <p:cNvGrpSpPr/>
+        <p:nvPr/>
+      </p:nvGrpSpPr>
+      <p:grpSpPr>
+        <a:xfrm>
+          <a:off x="0" y="0"/>
+          <a:ext cx="0" cy="0"/>
+          <a:chOff x="0" y="0"/>
+          <a:chExt cx="0" cy="0"/>
+        </a:xfrm>
+      </p:grpSpPr>
+      <p:sp>
+        <p:nvSpPr>
+          <p:cNvPr id="2" name="Title 1"/>
+          <p:cNvSpPr>
+            <a:spLocks noGrp="1"/>
+          </p:cNvSpPr>
+          <p:nvPr>
+            <p:ph type="title"/>
+          </p:nvPr>
+        </p:nvSpPr>
+        <p:spPr/>
+        <p:txBody>
+          <a:bodyPr/>
+          <a:lstStyle/>
+          <a:p>
+            <a:r>
+              <a:rPr lang="fr-CA" dirty="0" smtClean="0"/>
+              <a:t>3 Bénéfices – suite </a:t>
+            </a:r>
+            <a:endParaRPr lang="en-US" dirty="0"/>
+          </a:p>
+        </p:txBody>
+      </p:sp>
+      <p:sp>
+        <p:nvSpPr>
+          <p:cNvPr id="3" name="Content Placeholder 2"/>
+          <p:cNvSpPr>
+            <a:spLocks noGrp="1"/>
+          </p:cNvSpPr>
+          <p:nvPr>
+            <p:ph idx="1"/>
+          </p:nvPr>
+        </p:nvSpPr>
+        <p:spPr/>
+        <p:txBody>
+          <a:bodyPr/>
+          <a:lstStyle/>
+          <a:p>
+            <a:pPr marL="342900" lvl="2" indent="-342900"/>
+            <a:r>
+              <a:rPr lang="fr-CA" sz="3200" dirty="0" smtClean="0"/>
+              <a:t>2)</a:t>
+            </a:r>
+            <a:r>
+              <a:rPr lang="fr-CA" sz="3200" dirty="0" smtClean="0"/>
+              <a:t> Une réduction de 7,1% des rendez-vous manqués.</a:t>
+            </a:r>
+            <a:endParaRPr lang="en-US" sz="3200" dirty="0" smtClean="0"/>
+          </a:p>
+          <a:p>
+            <a:pPr marL="342900" lvl="2" indent="-342900"/>
+            <a:r>
+              <a:rPr lang="fr-CA" sz="3200" dirty="0" smtClean="0"/>
+              <a:t>3)</a:t>
+            </a:r>
+            <a:r>
+              <a:rPr lang="fr-CA" sz="3200" dirty="0" smtClean="0"/>
+              <a:t> Ce système permet aux médecins d’économiser 220$ par semaine et par médecins.</a:t>
+            </a:r>
+            <a:endParaRPr lang="en-US" sz="3200" dirty="0" smtClean="0"/>
+          </a:p>
+          <a:p>
+            <a:endParaRPr lang="en-US" dirty="0"/>
+          </a:p>
+        </p:txBody>
+      </p:sp>
+    </p:spTree>
+  </p:cSld>
+  <p:clrMapOvr>
+    <a:masterClrMapping/>
+  </p:clrMapOvr>
+</p:sld>
+</file>
+
+<file path=ppt/slides/slide5.xml><?xml version="1.0" encoding="utf-8"?>
+<p:sld xmlns:a="http://schemas.openxmlformats.org/drawingml/2006/main" xmlns:r="http://schemas.openxmlformats.org/officeDocument/2006/relationships" xmlns:p="http://schemas.openxmlformats.org/presentationml/2006/main">
+  <p:cSld>
+    <p:spTree>
+      <p:nvGrpSpPr>
+        <p:cNvPr id="1" name=""/>
+        <p:cNvGrpSpPr/>
+        <p:nvPr/>
+      </p:nvGrpSpPr>
+      <p:grpSpPr>
+        <a:xfrm>
+          <a:off x="0" y="0"/>
+          <a:ext cx="0" cy="0"/>
+          <a:chOff x="0" y="0"/>
+          <a:chExt cx="0" cy="0"/>
+        </a:xfrm>
+      </p:grpSpPr>
+      <p:sp>
+        <p:nvSpPr>
+          <p:cNvPr id="2" name="Title 1"/>
+          <p:cNvSpPr>
+            <a:spLocks noGrp="1"/>
+          </p:cNvSpPr>
+          <p:nvPr>
+            <p:ph type="title"/>
+          </p:nvPr>
+        </p:nvSpPr>
+        <p:spPr/>
+        <p:txBody>
+          <a:bodyPr/>
+          <a:lstStyle/>
+          <a:p>
+            <a:r>
+              <a:rPr lang="fr-CA" dirty="0" smtClean="0"/>
+              <a:t>Fonctions</a:t>
+            </a:r>
+            <a:endParaRPr lang="en-US" dirty="0"/>
+          </a:p>
+        </p:txBody>
+      </p:sp>
+      <p:sp>
+        <p:nvSpPr>
+          <p:cNvPr id="3" name="Content Placeholder 2"/>
+          <p:cNvSpPr>
+            <a:spLocks noGrp="1"/>
+          </p:cNvSpPr>
+          <p:nvPr>
+            <p:ph idx="1"/>
+          </p:nvPr>
+        </p:nvSpPr>
+        <p:spPr/>
+        <p:txBody>
+          <a:bodyPr/>
+          <a:lstStyle/>
+          <a:p>
+            <a:r>
+              <a:rPr lang="fr-CA" dirty="0" err="1" smtClean="0"/>
+              <a:t>Demo</a:t>
+            </a:r>
+            <a:r>
+              <a:rPr lang="fr-CA" dirty="0" smtClean="0"/>
+              <a:t> de Application</a:t>
+            </a:r>
+            <a:endParaRPr lang="en-US" dirty="0"/>
+          </a:p>
+        </p:txBody>
+      </p:sp>
+    </p:spTree>
+  </p:cSld>
+  <p:clrMapOvr>
+    <a:masterClrMapping/>
+  </p:clrMapOvr>
+</p:sld>
+</file>
+
+<file path=ppt/slides/slide6.xml><?xml version="1.0" encoding="utf-8"?>
+<p:sld xmlns:a="http://schemas.openxmlformats.org/drawingml/2006/main" xmlns:r="http://schemas.openxmlformats.org/officeDocument/2006/relationships" xmlns:p="http://schemas.openxmlformats.org/presentationml/2006/main">
+  <p:cSld>
+    <p:spTree>
+      <p:nvGrpSpPr>
+        <p:cNvPr id="1" name=""/>
+        <p:cNvGrpSpPr/>
+        <p:nvPr/>
+      </p:nvGrpSpPr>
+      <p:grpSpPr>
+        <a:xfrm>
+          <a:off x="0" y="0"/>
+          <a:ext cx="0" cy="0"/>
+          <a:chOff x="0" y="0"/>
+          <a:chExt cx="0" cy="0"/>
+        </a:xfrm>
+      </p:grpSpPr>
+      <p:sp>
+        <p:nvSpPr>
+          <p:cNvPr id="2" name="Title 1"/>
+          <p:cNvSpPr>
+            <a:spLocks noGrp="1"/>
+          </p:cNvSpPr>
+          <p:nvPr>
+            <p:ph type="title"/>
+          </p:nvPr>
+        </p:nvSpPr>
+        <p:spPr/>
+        <p:txBody>
+          <a:bodyPr/>
+          <a:lstStyle/>
+          <a:p>
+            <a:r>
+              <a:rPr lang="fr-CA" dirty="0" smtClean="0"/>
+              <a:t>Les Bons Coups</a:t>
+            </a:r>
+            <a:endParaRPr lang="en-US" dirty="0"/>
+          </a:p>
+        </p:txBody>
+      </p:sp>
+      <p:sp>
+        <p:nvSpPr>
+          <p:cNvPr id="3" name="Content Placeholder 2"/>
+          <p:cNvSpPr>
+            <a:spLocks noGrp="1"/>
+          </p:cNvSpPr>
+          <p:nvPr>
+            <p:ph idx="1"/>
+          </p:nvPr>
+        </p:nvSpPr>
+        <p:spPr/>
+        <p:txBody>
+          <a:bodyPr/>
+          <a:lstStyle/>
+          <a:p>
+            <a:r>
+              <a:rPr lang="fr-CA" dirty="0" smtClean="0"/>
+              <a:t>1) Le Menu Dynamique</a:t>
+            </a:r>
+          </a:p>
+          <a:p>
+            <a:r>
+              <a:rPr lang="fr-CA" dirty="0" smtClean="0"/>
+              <a:t>2) Email fonctionnalité </a:t>
+            </a:r>
+            <a:endParaRPr lang="en-US" dirty="0"/>
+          </a:p>
+        </p:txBody>
+      </p:sp>
+    </p:spTree>
+  </p:cSld>
+  <p:clrMapOvr>
+    <a:masterClrMapping/>
+  </p:clrMapOvr>
+</p:sld>
+</file>
+
+<file path=ppt/slides/slide7.xml><?xml version="1.0" encoding="utf-8"?>
+<p:sld xmlns:a="http://schemas.openxmlformats.org/drawingml/2006/main" xmlns:r="http://schemas.openxmlformats.org/officeDocument/2006/relationships" xmlns:p="http://schemas.openxmlformats.org/presentationml/2006/main">
+  <p:cSld>
+    <p:spTree>
+      <p:nvGrpSpPr>
+        <p:cNvPr id="1" name=""/>
+        <p:cNvGrpSpPr/>
+        <p:nvPr/>
+      </p:nvGrpSpPr>
+      <p:grpSpPr>
+        <a:xfrm>
+          <a:off x="0" y="0"/>
+          <a:ext cx="0" cy="0"/>
+          <a:chOff x="0" y="0"/>
+          <a:chExt cx="0" cy="0"/>
+        </a:xfrm>
+      </p:grpSpPr>
+      <p:sp>
+        <p:nvSpPr>
+          <p:cNvPr id="2" name="Title 1"/>
+          <p:cNvSpPr>
+            <a:spLocks noGrp="1"/>
+          </p:cNvSpPr>
+          <p:nvPr>
+            <p:ph type="title"/>
+          </p:nvPr>
+        </p:nvSpPr>
+        <p:spPr/>
+        <p:txBody>
+          <a:bodyPr/>
+          <a:lstStyle/>
+          <a:p>
+            <a:r>
+              <a:rPr lang="fr-CA" dirty="0" smtClean="0"/>
+              <a:t>Les Mauvais Coups</a:t>
+            </a:r>
+            <a:endParaRPr lang="en-US" dirty="0"/>
+          </a:p>
+        </p:txBody>
+      </p:sp>
+      <p:sp>
+        <p:nvSpPr>
+          <p:cNvPr id="3" name="Content Placeholder 2"/>
+          <p:cNvSpPr>
+            <a:spLocks noGrp="1"/>
+          </p:cNvSpPr>
+          <p:nvPr>
+            <p:ph idx="1"/>
+          </p:nvPr>
+        </p:nvSpPr>
+        <p:spPr/>
+        <p:txBody>
+          <a:bodyPr/>
+          <a:lstStyle/>
+          <a:p>
+            <a:endParaRPr lang="en-US" dirty="0"/>
+          </a:p>
+        </p:txBody>
+      </p:sp>
+    </p:spTree>
+  </p:cSld>
+  <p:clrMapOvr>
+    <a:masterClrMapping/>
+  </p:clrMapOvr>
+</p:sld>
+</file>
+
+<file path=ppt/slides/slide8.xml><?xml version="1.0" encoding="utf-8"?>
+<p:sld xmlns:a="http://schemas.openxmlformats.org/drawingml/2006/main" xmlns:r="http://schemas.openxmlformats.org/officeDocument/2006/relationships" xmlns:p="http://schemas.openxmlformats.org/presentationml/2006/main">
+  <p:cSld>
+    <p:spTree>
+      <p:nvGrpSpPr>
+        <p:cNvPr id="1" name=""/>
+        <p:cNvGrpSpPr/>
+        <p:nvPr/>
+      </p:nvGrpSpPr>
+      <p:grpSpPr>
+        <a:xfrm>
+          <a:off x="0" y="0"/>
+          <a:ext cx="0" cy="0"/>
+          <a:chOff x="0" y="0"/>
+          <a:chExt cx="0" cy="0"/>
+        </a:xfrm>
+      </p:grpSpPr>
+      <p:sp>
+        <p:nvSpPr>
+          <p:cNvPr id="2" name="Title 1"/>
+          <p:cNvSpPr>
+            <a:spLocks noGrp="1"/>
+          </p:cNvSpPr>
+          <p:nvPr>
+            <p:ph type="title"/>
+          </p:nvPr>
+        </p:nvSpPr>
+        <p:spPr/>
+        <p:txBody>
+          <a:bodyPr>
+            <a:noAutofit/>
+          </a:bodyPr>
+          <a:lstStyle/>
+          <a:p>
+            <a:pPr lvl="1" algn="ctr" rtl="0">
+              <a:spcBef>
+                <a:spcPct val="0"/>
+              </a:spcBef>
+            </a:pPr>
+            <a:r>
+              <a:rPr lang="fr-CA" sz="4400" dirty="0" smtClean="0">
+                <a:latin typeface="+mn-lt"/>
+              </a:rPr>
+              <a:t>Le difficulté rencontré</a:t>
+            </a:r>
+            <a:endParaRPr lang="en-US" sz="4400" dirty="0">
+              <a:latin typeface="+mn-lt"/>
+            </a:endParaRPr>
+          </a:p>
+        </p:txBody>
+      </p:sp>
+      <p:sp>
+        <p:nvSpPr>
+          <p:cNvPr id="3" name="Content Placeholder 2"/>
+          <p:cNvSpPr>
+            <a:spLocks noGrp="1"/>
+          </p:cNvSpPr>
+          <p:nvPr>
+            <p:ph idx="1"/>
+          </p:nvPr>
+        </p:nvSpPr>
+        <p:spPr/>
+        <p:txBody>
+          <a:bodyPr/>
+          <a:lstStyle/>
+          <a:p>
+            <a:r>
+              <a:rPr lang="fr-CA" dirty="0" smtClean="0"/>
+              <a:t>Calendrier : Interface graphique vs boutons</a:t>
+            </a:r>
+          </a:p>
+          <a:p>
+            <a:endParaRPr lang="fr-CA" dirty="0" smtClean="0"/>
+          </a:p>
+          <a:p>
+            <a:endParaRPr lang="fr-CA" dirty="0" smtClean="0"/>
+          </a:p>
+          <a:p>
+            <a:endParaRPr lang="en-US" dirty="0"/>
+          </a:p>
+        </p:txBody>
+      </p:sp>
+      <p:pic>
+        <p:nvPicPr>
+          <p:cNvPr id="7" name="Picture 6" descr="asp.net-doctor-appointment-scheduling.png"/>
+          <p:cNvPicPr>
+            <a:picLocks noChangeAspect="1"/>
+          </p:cNvPicPr>
+          <p:nvPr/>
+        </p:nvPicPr>
+        <p:blipFill>
+          <a:blip r:embed="rId2" cstate="print"/>
+          <a:stretch>
+            <a:fillRect/>
+          </a:stretch>
+        </p:blipFill>
+        <p:spPr>
+          <a:xfrm>
+            <a:off x="1873250" y="2263775"/>
+            <a:ext cx="5397500" cy="2330450"/>
+          </a:xfrm>
+          <a:prstGeom prst="rect">
+            <a:avLst/>
+          </a:prstGeom>
+        </p:spPr>
+      </p:pic>
+    </p:spTree>
+  </p:cSld>
+  <p:clrMapOvr>
+    <a:masterClrMapping/>
+  </p:clrMapOvr>
+</p:sld>
+</file>
+
+<file path=ppt/slides/slide9.xml><?xml version="1.0" encoding="utf-8"?>
+<p:sld xmlns:a="http://schemas.openxmlformats.org/drawingml/2006/main" xmlns:r="http://schemas.openxmlformats.org/officeDocument/2006/relationships" xmlns:p="http://schemas.openxmlformats.org/presentationml/2006/main">
+  <p:cSld>
+    <p:spTree>
+      <p:nvGrpSpPr>
+        <p:cNvPr id="1" name=""/>
+        <p:cNvGrpSpPr/>
+        <p:nvPr/>
+      </p:nvGrpSpPr>
+      <p:grpSpPr>
+        <a:xfrm>
+          <a:off x="0" y="0"/>
+          <a:ext cx="0" cy="0"/>
+          <a:chOff x="0" y="0"/>
+          <a:chExt cx="0" cy="0"/>
+        </a:xfrm>
+      </p:grpSpPr>
+      <p:sp>
+        <p:nvSpPr>
+          <p:cNvPr id="2" name="Title 1"/>
+          <p:cNvSpPr>
+            <a:spLocks noGrp="1"/>
+          </p:cNvSpPr>
+          <p:nvPr>
+            <p:ph type="title"/>
+          </p:nvPr>
+        </p:nvSpPr>
+        <p:spPr/>
+        <p:txBody>
+          <a:bodyPr/>
+          <a:lstStyle/>
+          <a:p>
+            <a:r>
+              <a:rPr lang="fr-CA" smtClean="0"/>
+              <a:t>Le difficulté rencontré</a:t>
+            </a:r>
+            <a:endParaRPr lang="en-US" dirty="0"/>
+          </a:p>
+        </p:txBody>
+      </p:sp>
+      <p:pic>
+        <p:nvPicPr>
+          <p:cNvPr id="2050" name="Picture 2"/>
+          <p:cNvPicPr>
+            <a:picLocks noGrp="1" noChangeAspect="1" noChangeArrowheads="1"/>
+          </p:cNvPicPr>
+          <p:nvPr>
+            <p:ph idx="1"/>
+          </p:nvPr>
+        </p:nvPicPr>
+        <p:blipFill>
+          <a:blip r:embed="rId2" cstate="print"/>
+          <a:srcRect/>
+          <a:stretch>
+            <a:fillRect/>
+          </a:stretch>
+        </p:blipFill>
+        <p:spPr bwMode="auto">
+          <a:xfrm>
+            <a:off x="457200" y="1885077"/>
+            <a:ext cx="8229600" cy="3956209"/>
+          </a:xfrm>
+          <a:prstGeom prst="rect">
+            <a:avLst/>
+          </a:prstGeom>
+          <a:noFill/>
+          <a:ln w="9525">
+            <a:noFill/>
+            <a:miter lim="800000"/>
+            <a:headEnd/>
+            <a:tailEnd/>
+          </a:ln>
+        </p:spPr>
+      </p:pic>
     </p:spTree>
   </p:cSld>
   <p:clrMapOvr>

--- a/RendezVousMédicaux.pptx
+++ b/RendezVousMédicaux.pptx
@@ -299,7 +299,7 @@
             <a:fld id="{D33AC759-AE69-4A59-9099-B0C5F1DBC921}" type="datetimeFigureOut">
               <a:rPr lang="en-US" smtClean="0"/>
               <a:pPr/>
-              <a:t>2/20/2017</a:t>
+              <a:t>2/21/2017</a:t>
             </a:fld>
             <a:endParaRPr lang="en-US"/>
           </a:p>
@@ -466,7 +466,7 @@
             <a:fld id="{D33AC759-AE69-4A59-9099-B0C5F1DBC921}" type="datetimeFigureOut">
               <a:rPr lang="en-US" smtClean="0"/>
               <a:pPr/>
-              <a:t>2/20/2017</a:t>
+              <a:t>2/21/2017</a:t>
             </a:fld>
             <a:endParaRPr lang="en-US"/>
           </a:p>
@@ -643,7 +643,7 @@
             <a:fld id="{D33AC759-AE69-4A59-9099-B0C5F1DBC921}" type="datetimeFigureOut">
               <a:rPr lang="en-US" smtClean="0"/>
               <a:pPr/>
-              <a:t>2/20/2017</a:t>
+              <a:t>2/21/2017</a:t>
             </a:fld>
             <a:endParaRPr lang="en-US"/>
           </a:p>
@@ -810,7 +810,7 @@
             <a:fld id="{D33AC759-AE69-4A59-9099-B0C5F1DBC921}" type="datetimeFigureOut">
               <a:rPr lang="en-US" smtClean="0"/>
               <a:pPr/>
-              <a:t>2/20/2017</a:t>
+              <a:t>2/21/2017</a:t>
             </a:fld>
             <a:endParaRPr lang="en-US"/>
           </a:p>
@@ -1053,7 +1053,7 @@
             <a:fld id="{D33AC759-AE69-4A59-9099-B0C5F1DBC921}" type="datetimeFigureOut">
               <a:rPr lang="en-US" smtClean="0"/>
               <a:pPr/>
-              <a:t>2/20/2017</a:t>
+              <a:t>2/21/2017</a:t>
             </a:fld>
             <a:endParaRPr lang="en-US"/>
           </a:p>
@@ -1338,7 +1338,7 @@
             <a:fld id="{D33AC759-AE69-4A59-9099-B0C5F1DBC921}" type="datetimeFigureOut">
               <a:rPr lang="en-US" smtClean="0"/>
               <a:pPr/>
-              <a:t>2/20/2017</a:t>
+              <a:t>2/21/2017</a:t>
             </a:fld>
             <a:endParaRPr lang="en-US"/>
           </a:p>
@@ -1757,7 +1757,7 @@
             <a:fld id="{D33AC759-AE69-4A59-9099-B0C5F1DBC921}" type="datetimeFigureOut">
               <a:rPr lang="en-US" smtClean="0"/>
               <a:pPr/>
-              <a:t>2/20/2017</a:t>
+              <a:t>2/21/2017</a:t>
             </a:fld>
             <a:endParaRPr lang="en-US"/>
           </a:p>
@@ -1872,7 +1872,7 @@
             <a:fld id="{D33AC759-AE69-4A59-9099-B0C5F1DBC921}" type="datetimeFigureOut">
               <a:rPr lang="en-US" smtClean="0"/>
               <a:pPr/>
-              <a:t>2/20/2017</a:t>
+              <a:t>2/21/2017</a:t>
             </a:fld>
             <a:endParaRPr lang="en-US"/>
           </a:p>
@@ -1964,7 +1964,7 @@
             <a:fld id="{D33AC759-AE69-4A59-9099-B0C5F1DBC921}" type="datetimeFigureOut">
               <a:rPr lang="en-US" smtClean="0"/>
               <a:pPr/>
-              <a:t>2/20/2017</a:t>
+              <a:t>2/21/2017</a:t>
             </a:fld>
             <a:endParaRPr lang="en-US"/>
           </a:p>
@@ -2238,7 +2238,7 @@
             <a:fld id="{D33AC759-AE69-4A59-9099-B0C5F1DBC921}" type="datetimeFigureOut">
               <a:rPr lang="en-US" smtClean="0"/>
               <a:pPr/>
-              <a:t>2/20/2017</a:t>
+              <a:t>2/21/2017</a:t>
             </a:fld>
             <a:endParaRPr lang="en-US"/>
           </a:p>
@@ -2488,7 +2488,7 @@
             <a:fld id="{D33AC759-AE69-4A59-9099-B0C5F1DBC921}" type="datetimeFigureOut">
               <a:rPr lang="en-US" smtClean="0"/>
               <a:pPr/>
-              <a:t>2/20/2017</a:t>
+              <a:t>2/21/2017</a:t>
             </a:fld>
             <a:endParaRPr lang="en-US"/>
           </a:p>
@@ -2698,7 +2698,7 @@
             <a:fld id="{D33AC759-AE69-4A59-9099-B0C5F1DBC921}" type="datetimeFigureOut">
               <a:rPr lang="en-US" smtClean="0"/>
               <a:pPr/>
-              <a:t>2/20/2017</a:t>
+              <a:t>2/21/2017</a:t>
             </a:fld>
             <a:endParaRPr lang="en-US"/>
           </a:p>
@@ -3268,12 +3268,37 @@
         </p:nvSpPr>
         <p:spPr/>
         <p:txBody>
-          <a:bodyPr/>
+          <a:bodyPr>
+            <a:normAutofit/>
+          </a:bodyPr>
           <a:lstStyle/>
           <a:p>
             <a:r>
               <a:rPr lang="fr-CA" dirty="0" smtClean="0"/>
-              <a:t>1) Implémenter la fonction d’annuler un </a:t>
+              <a:t>1</a:t>
+            </a:r>
+            <a:r>
+              <a:rPr lang="fr-CA" dirty="0" smtClean="0"/>
+              <a:t>) Usagers pourraient login sur le système avec leur courriels au lieu des ID.</a:t>
+            </a:r>
+            <a:endParaRPr lang="fr-CA" dirty="0" smtClean="0"/>
+          </a:p>
+          <a:p>
+            <a:r>
+              <a:rPr lang="fr-CA" dirty="0" smtClean="0"/>
+              <a:t>2) </a:t>
+            </a:r>
+            <a:r>
+              <a:rPr lang="fr-CA" dirty="0" smtClean="0"/>
+              <a:t>Pour </a:t>
+            </a:r>
+            <a:r>
+              <a:rPr lang="fr-CA" dirty="0" err="1" smtClean="0"/>
+              <a:t>Admin</a:t>
+            </a:r>
+            <a:r>
+              <a:rPr lang="fr-CA" dirty="0" smtClean="0"/>
+              <a:t> : Implémenter la fonction d’annuler un </a:t>
             </a:r>
             <a:r>
               <a:rPr lang="fr-CA" dirty="0" err="1" smtClean="0"/>
@@ -3281,14 +3306,9 @@
             </a:r>
             <a:r>
               <a:rPr lang="fr-CA" dirty="0" smtClean="0"/>
-              <a:t> à partir d’un numéro de Rdv.</a:t>
-            </a:r>
-          </a:p>
-          <a:p>
-            <a:r>
-              <a:rPr lang="fr-CA" dirty="0" smtClean="0"/>
-              <a:t>2) Usagers pourraient login sur le système avec leur courriels au lieu des ID.</a:t>
-            </a:r>
+              <a:t> à partir d’un numéro de Rdv. </a:t>
+            </a:r>
+            <a:endParaRPr lang="fr-CA" dirty="0" smtClean="0"/>
           </a:p>
           <a:p>
             <a:r>
@@ -3378,23 +3398,7 @@
           <a:p>
             <a:r>
               <a:rPr lang="fr-CA" dirty="0" smtClean="0"/>
-              <a:t>Permettre </a:t>
-            </a:r>
-            <a:r>
-              <a:rPr lang="fr-CA" dirty="0" smtClean="0"/>
-              <a:t>à des patients de </a:t>
-            </a:r>
-            <a:r>
-              <a:rPr lang="fr-CA" dirty="0" smtClean="0"/>
-              <a:t>prendre ou annuler </a:t>
-            </a:r>
-            <a:r>
-              <a:rPr lang="fr-CA" dirty="0" smtClean="0"/>
-              <a:t>des rendez-vous en </a:t>
-            </a:r>
-            <a:r>
-              <a:rPr lang="fr-CA" dirty="0" smtClean="0"/>
-              <a:t>lignes rapidement 7  / 24. </a:t>
+              <a:t>Permettre à des patients de prendre ou annuler des rendez-vous en lignes rapidement 7  / 24. </a:t>
             </a:r>
             <a:endParaRPr lang="en-US" dirty="0"/>
           </a:p>
@@ -3467,21 +3471,13 @@
           <a:p>
             <a:r>
               <a:rPr lang="fr-CA" dirty="0" smtClean="0"/>
-              <a:t>Une étude publiée en Mars 2014 par HEC Montréal et par Inforoute Santé démontre qu’il y a 3 bénéfices en utilisant des systèmes de rendez-vous en ligne </a:t>
-            </a:r>
+              <a:t>Une étude publiée en Mars 2014 par HEC Montréal et par Inforoute Santé démontre qu’il y a 3 bénéfices en utilisant des systèmes de rendez-vous en ligne :</a:t>
+            </a:r>
+          </a:p>
+          <a:p>
             <a:r>
               <a:rPr lang="fr-CA" dirty="0" smtClean="0"/>
-              <a:t>:</a:t>
-            </a:r>
-          </a:p>
-          <a:p>
-            <a:r>
-              <a:rPr lang="fr-CA" dirty="0" smtClean="0"/>
-              <a:t>1)</a:t>
-            </a:r>
-            <a:r>
-              <a:rPr lang="fr-CA" dirty="0" smtClean="0"/>
-              <a:t> La quasi-totalité des patients ont confirmé que ce système les ont permis de sauver des longues minutes d’attentes au téléphone et de pouvoir prendre rendez-vous au moment qui leur convenait  le plus.</a:t>
+              <a:t>1) La quasi-totalité des patients ont confirmé que ce système les ont permis de sauver des longues minutes d’attentes au téléphone et de pouvoir prendre rendez-vous au moment qui leur convenait  le plus.</a:t>
             </a:r>
             <a:endParaRPr lang="en-US" dirty="0"/>
           </a:p>
@@ -3553,23 +3549,15 @@
             <a:pPr marL="342900" lvl="2" indent="-342900"/>
             <a:r>
               <a:rPr lang="fr-CA" sz="3200" dirty="0" smtClean="0"/>
-              <a:t>2)</a:t>
-            </a:r>
+              <a:t>2) Une réduction de 7,1% des rendez-vous manqués.</a:t>
+            </a:r>
+            <a:endParaRPr lang="en-US" sz="3200" dirty="0" smtClean="0"/>
+          </a:p>
+          <a:p>
+            <a:pPr marL="342900" lvl="2" indent="-342900"/>
             <a:r>
               <a:rPr lang="fr-CA" sz="3200" dirty="0" smtClean="0"/>
-              <a:t> Une réduction de 7,1% des rendez-vous manqués.</a:t>
-            </a:r>
-            <a:endParaRPr lang="en-US" sz="3200" dirty="0" smtClean="0"/>
-          </a:p>
-          <a:p>
-            <a:pPr marL="342900" lvl="2" indent="-342900"/>
-            <a:r>
-              <a:rPr lang="fr-CA" sz="3200" dirty="0" smtClean="0"/>
-              <a:t>3)</a:t>
-            </a:r>
-            <a:r>
-              <a:rPr lang="fr-CA" sz="3200" dirty="0" smtClean="0"/>
-              <a:t> Ce système permet aux médecins d’économiser 220$ par semaine et par médecins.</a:t>
+              <a:t>3) Ce système permet aux médecins d’économiser 220$ par semaine et par médecins.</a:t>
             </a:r>
             <a:endParaRPr lang="en-US" sz="3200" dirty="0" smtClean="0"/>
           </a:p>
@@ -3724,7 +3712,21 @@
           <a:p>
             <a:r>
               <a:rPr lang="fr-CA" dirty="0" smtClean="0"/>
-              <a:t>2) Email fonctionnalité </a:t>
+              <a:t>2) Email </a:t>
+            </a:r>
+            <a:r>
+              <a:rPr lang="fr-CA" dirty="0" smtClean="0"/>
+              <a:t>fonctionnalité</a:t>
+            </a:r>
+          </a:p>
+          <a:p>
+            <a:r>
+              <a:rPr lang="fr-CA" dirty="0" smtClean="0"/>
+              <a:t>3) Ergonomie: Le nom d’utilisateur et son ID est bien visible en haut à droit du menu</a:t>
+            </a:r>
+            <a:r>
+              <a:rPr lang="fr-CA" dirty="0" smtClean="0"/>
+              <a:t> </a:t>
             </a:r>
             <a:endParaRPr lang="en-US" dirty="0"/>
           </a:p>
@@ -3903,8 +3905,8 @@
         </p:blipFill>
         <p:spPr>
           <a:xfrm>
-            <a:off x="1873250" y="2263775"/>
-            <a:ext cx="5397500" cy="2330450"/>
+            <a:off x="395536" y="2132856"/>
+            <a:ext cx="8338802" cy="3600400"/>
           </a:xfrm>
           <a:prstGeom prst="rect">
             <a:avLst/>
@@ -3961,7 +3963,7 @@
       </p:sp>
       <p:pic>
         <p:nvPicPr>
-          <p:cNvPr id="2050" name="Picture 2"/>
+          <p:cNvPr id="1026" name="Picture 2"/>
           <p:cNvPicPr>
             <a:picLocks noGrp="1" noChangeAspect="1" noChangeArrowheads="1"/>
           </p:cNvPicPr>
@@ -3978,8 +3980,8 @@
         </p:blipFill>
         <p:spPr bwMode="auto">
           <a:xfrm>
-            <a:off x="457200" y="1885077"/>
-            <a:ext cx="8229600" cy="3956209"/>
+            <a:off x="457200" y="1938655"/>
+            <a:ext cx="8229600" cy="3849053"/>
           </a:xfrm>
           <a:prstGeom prst="rect">
             <a:avLst/>
